--- a/PPT/DeepLearning14-CNN-Advanced.pptx
+++ b/PPT/DeepLearning14-CNN-Advanced.pptx
@@ -3855,8 +3855,8 @@
           <a:lstStyle/>
           <a:p>
             <a:r>
-              <a:rPr lang="fr-FR" dirty="0" err="1" smtClean="0"/>
-              <a:t>Reinforcement</a:t>
+              <a:rPr lang="fr-FR" dirty="0" smtClean="0"/>
+              <a:t>Réentrainement</a:t>
             </a:r>
             <a:endParaRPr lang="fr-FR" dirty="0"/>
           </a:p>
@@ -3908,6 +3908,13 @@
   <p:clrMapOvr>
     <a:masterClrMapping/>
   </p:clrMapOvr>
+  <p:timing>
+    <p:tnLst>
+      <p:par>
+        <p:cTn id="1" dur="indefinite" restart="never" nodeType="tmRoot"/>
+      </p:par>
+    </p:tnLst>
+  </p:timing>
 </p:sld>
 </file>
 
@@ -4017,6 +4024,13 @@
   <p:clrMapOvr>
     <a:masterClrMapping/>
   </p:clrMapOvr>
+  <p:timing>
+    <p:tnLst>
+      <p:par>
+        <p:cTn id="1" dur="indefinite" restart="never" nodeType="tmRoot"/>
+      </p:par>
+    </p:tnLst>
+  </p:timing>
 </p:sld>
 </file>
 
@@ -4113,6 +4127,13 @@
   <p:clrMapOvr>
     <a:masterClrMapping/>
   </p:clrMapOvr>
+  <p:timing>
+    <p:tnLst>
+      <p:par>
+        <p:cTn id="1" dur="indefinite" restart="never" nodeType="tmRoot"/>
+      </p:par>
+    </p:tnLst>
+  </p:timing>
 </p:sld>
 </file>
 
@@ -4325,6 +4346,13 @@
   <p:clrMapOvr>
     <a:masterClrMapping/>
   </p:clrMapOvr>
+  <p:timing>
+    <p:tnLst>
+      <p:par>
+        <p:cTn id="1" dur="indefinite" restart="never" nodeType="tmRoot"/>
+      </p:par>
+    </p:tnLst>
+  </p:timing>
 </p:sld>
 </file>
 
@@ -4615,6 +4643,13 @@
   <p:clrMapOvr>
     <a:masterClrMapping/>
   </p:clrMapOvr>
+  <p:timing>
+    <p:tnLst>
+      <p:par>
+        <p:cTn id="1" dur="indefinite" restart="never" nodeType="tmRoot"/>
+      </p:par>
+    </p:tnLst>
+  </p:timing>
 </p:sld>
 </file>
 
@@ -4897,6 +4932,13 @@
   <p:clrMapOvr>
     <a:masterClrMapping/>
   </p:clrMapOvr>
+  <p:timing>
+    <p:tnLst>
+      <p:par>
+        <p:cTn id="1" dur="indefinite" restart="never" nodeType="tmRoot"/>
+      </p:par>
+    </p:tnLst>
+  </p:timing>
 </p:sld>
 </file>
 
@@ -4989,6 +5031,13 @@
   <p:clrMapOvr>
     <a:masterClrMapping/>
   </p:clrMapOvr>
+  <p:timing>
+    <p:tnLst>
+      <p:par>
+        <p:cTn id="1" dur="indefinite" restart="never" nodeType="tmRoot"/>
+      </p:par>
+    </p:tnLst>
+  </p:timing>
 </p:sld>
 </file>
 

--- a/PPT/DeepLearning14-CNN-Advanced.pptx
+++ b/PPT/DeepLearning14-CNN-Advanced.pptx
@@ -5,10 +5,10 @@
     <p:sldMasterId id="2147483653" r:id="rId1"/>
   </p:sldMasterIdLst>
   <p:notesMasterIdLst>
-    <p:notesMasterId r:id="rId10"/>
+    <p:notesMasterId r:id="rId11"/>
   </p:notesMasterIdLst>
   <p:handoutMasterIdLst>
-    <p:handoutMasterId r:id="rId11"/>
+    <p:handoutMasterId r:id="rId12"/>
   </p:handoutMasterIdLst>
   <p:sldIdLst>
     <p:sldId id="264" r:id="rId2"/>
@@ -19,6 +19,7 @@
     <p:sldId id="274" r:id="rId7"/>
     <p:sldId id="275" r:id="rId8"/>
     <p:sldId id="276" r:id="rId9"/>
+    <p:sldId id="278" r:id="rId10"/>
   </p:sldIdLst>
   <p:sldSz cx="9144000" cy="6858000" type="screen4x3"/>
   <p:notesSz cx="6648450" cy="9782175"/>
@@ -611,35 +612,35 @@
           <a:p>
             <a:pPr lvl="0"/>
             <a:r>
-              <a:rPr lang="fr-FR" noProof="0" smtClean="0"/>
+              <a:rPr lang="fr-FR" noProof="0"/>
               <a:t>Cliquez pour modifier les styles du texte du masque</a:t>
             </a:r>
           </a:p>
           <a:p>
             <a:pPr lvl="1"/>
             <a:r>
-              <a:rPr lang="fr-FR" noProof="0" smtClean="0"/>
+              <a:rPr lang="fr-FR" noProof="0"/>
               <a:t>Deuxième niveau</a:t>
             </a:r>
           </a:p>
           <a:p>
             <a:pPr lvl="2"/>
             <a:r>
-              <a:rPr lang="fr-FR" noProof="0" smtClean="0"/>
+              <a:rPr lang="fr-FR" noProof="0"/>
               <a:t>Troisième niveau</a:t>
             </a:r>
           </a:p>
           <a:p>
             <a:pPr lvl="3"/>
             <a:r>
-              <a:rPr lang="fr-FR" noProof="0" smtClean="0"/>
+              <a:rPr lang="fr-FR" noProof="0"/>
               <a:t>Quatrième niveau</a:t>
             </a:r>
           </a:p>
           <a:p>
             <a:pPr lvl="4"/>
             <a:r>
-              <a:rPr lang="fr-FR" noProof="0" smtClean="0"/>
+              <a:rPr lang="fr-FR" noProof="0"/>
               <a:t>Cinquième niveau</a:t>
             </a:r>
           </a:p>
@@ -927,10 +928,9 @@
           <a:lstStyle/>
           <a:p>
             <a:r>
-              <a:rPr lang="fr-FR" smtClean="0"/>
+              <a:rPr lang="fr-FR"/>
               <a:t>Cliquez pour modifier le style du titre</a:t>
             </a:r>
-            <a:endParaRPr lang="fr-FR"/>
           </a:p>
         </p:txBody>
       </p:sp>
@@ -992,10 +992,9 @@
           </a:lstStyle>
           <a:p>
             <a:r>
-              <a:rPr lang="fr-FR" smtClean="0"/>
+              <a:rPr lang="fr-FR"/>
               <a:t>Cliquez pour modifier le style des sous-titres du masque</a:t>
             </a:r>
-            <a:endParaRPr lang="fr-FR"/>
           </a:p>
         </p:txBody>
       </p:sp>
@@ -1050,10 +1049,9 @@
           <a:lstStyle/>
           <a:p>
             <a:r>
-              <a:rPr lang="fr-FR" smtClean="0"/>
+              <a:rPr lang="fr-FR"/>
               <a:t>Cliquez pour modifier le style du titre</a:t>
             </a:r>
-            <a:endParaRPr lang="fr-FR"/>
           </a:p>
         </p:txBody>
       </p:sp>
@@ -1079,38 +1077,37 @@
           <a:p>
             <a:pPr lvl="0"/>
             <a:r>
-              <a:rPr lang="fr-FR" smtClean="0"/>
+              <a:rPr lang="fr-FR"/>
               <a:t>Cliquez pour modifier les styles du texte du masque</a:t>
             </a:r>
           </a:p>
           <a:p>
             <a:pPr lvl="1"/>
             <a:r>
-              <a:rPr lang="fr-FR" smtClean="0"/>
+              <a:rPr lang="fr-FR"/>
               <a:t>Deuxième niveau</a:t>
             </a:r>
           </a:p>
           <a:p>
             <a:pPr lvl="2"/>
             <a:r>
-              <a:rPr lang="fr-FR" smtClean="0"/>
+              <a:rPr lang="fr-FR"/>
               <a:t>Troisième niveau</a:t>
             </a:r>
           </a:p>
           <a:p>
             <a:pPr lvl="3"/>
             <a:r>
-              <a:rPr lang="fr-FR" smtClean="0"/>
+              <a:rPr lang="fr-FR"/>
               <a:t>Quatrième niveau</a:t>
             </a:r>
           </a:p>
           <a:p>
             <a:pPr lvl="4"/>
             <a:r>
-              <a:rPr lang="fr-FR" smtClean="0"/>
+              <a:rPr lang="fr-FR"/>
               <a:t>Cinquième niveau</a:t>
             </a:r>
-            <a:endParaRPr lang="fr-FR"/>
           </a:p>
         </p:txBody>
       </p:sp>
@@ -1169,10 +1166,9 @@
           </a:lstStyle>
           <a:p>
             <a:r>
-              <a:rPr lang="fr-FR" dirty="0" smtClean="0"/>
+              <a:rPr lang="fr-FR" dirty="0"/>
               <a:t>Cliquez pour modifier le style du titre</a:t>
             </a:r>
-            <a:endParaRPr lang="fr-FR" dirty="0"/>
           </a:p>
         </p:txBody>
       </p:sp>
@@ -1198,38 +1194,37 @@
           <a:p>
             <a:pPr lvl="0"/>
             <a:r>
-              <a:rPr lang="fr-FR" dirty="0" smtClean="0"/>
+              <a:rPr lang="fr-FR" dirty="0"/>
               <a:t>Cliquez pour modifier les styles du texte du masque</a:t>
             </a:r>
           </a:p>
           <a:p>
             <a:pPr lvl="1"/>
             <a:r>
-              <a:rPr lang="fr-FR" dirty="0" smtClean="0"/>
+              <a:rPr lang="fr-FR" dirty="0"/>
               <a:t>Deuxième niveau</a:t>
             </a:r>
           </a:p>
           <a:p>
             <a:pPr lvl="2"/>
             <a:r>
-              <a:rPr lang="fr-FR" dirty="0" smtClean="0"/>
+              <a:rPr lang="fr-FR" dirty="0"/>
               <a:t>Troisième niveau</a:t>
             </a:r>
           </a:p>
           <a:p>
             <a:pPr lvl="3"/>
             <a:r>
-              <a:rPr lang="fr-FR" dirty="0" smtClean="0"/>
+              <a:rPr lang="fr-FR" dirty="0"/>
               <a:t>Quatrième niveau</a:t>
             </a:r>
           </a:p>
           <a:p>
             <a:pPr lvl="4"/>
             <a:r>
-              <a:rPr lang="fr-FR" dirty="0" smtClean="0"/>
+              <a:rPr lang="fr-FR" dirty="0"/>
               <a:t>Cinquième niveau</a:t>
             </a:r>
-            <a:endParaRPr lang="fr-FR" dirty="0"/>
           </a:p>
         </p:txBody>
       </p:sp>
@@ -1279,10 +1274,9 @@
           <a:lstStyle/>
           <a:p>
             <a:r>
-              <a:rPr lang="fr-FR" smtClean="0"/>
+              <a:rPr lang="fr-FR"/>
               <a:t>Cliquez pour modifier le style du titre</a:t>
             </a:r>
-            <a:endParaRPr lang="fr-FR"/>
           </a:p>
         </p:txBody>
       </p:sp>
@@ -1336,38 +1330,37 @@
           <a:p>
             <a:pPr lvl="0"/>
             <a:r>
-              <a:rPr lang="fr-FR" smtClean="0"/>
+              <a:rPr lang="fr-FR"/>
               <a:t>Cliquez pour modifier les styles du texte du masque</a:t>
             </a:r>
           </a:p>
           <a:p>
             <a:pPr lvl="1"/>
             <a:r>
-              <a:rPr lang="fr-FR" smtClean="0"/>
+              <a:rPr lang="fr-FR"/>
               <a:t>Deuxième niveau</a:t>
             </a:r>
           </a:p>
           <a:p>
             <a:pPr lvl="2"/>
             <a:r>
-              <a:rPr lang="fr-FR" smtClean="0"/>
+              <a:rPr lang="fr-FR"/>
               <a:t>Troisième niveau</a:t>
             </a:r>
           </a:p>
           <a:p>
             <a:pPr lvl="3"/>
             <a:r>
-              <a:rPr lang="fr-FR" smtClean="0"/>
+              <a:rPr lang="fr-FR"/>
               <a:t>Quatrième niveau</a:t>
             </a:r>
           </a:p>
           <a:p>
             <a:pPr lvl="4"/>
             <a:r>
-              <a:rPr lang="fr-FR" smtClean="0"/>
+              <a:rPr lang="fr-FR"/>
               <a:t>Cinquième niveau</a:t>
             </a:r>
-            <a:endParaRPr lang="fr-FR"/>
           </a:p>
         </p:txBody>
       </p:sp>
@@ -1421,38 +1414,37 @@
           <a:p>
             <a:pPr lvl="0"/>
             <a:r>
-              <a:rPr lang="fr-FR" smtClean="0"/>
+              <a:rPr lang="fr-FR"/>
               <a:t>Cliquez pour modifier les styles du texte du masque</a:t>
             </a:r>
           </a:p>
           <a:p>
             <a:pPr lvl="1"/>
             <a:r>
-              <a:rPr lang="fr-FR" smtClean="0"/>
+              <a:rPr lang="fr-FR"/>
               <a:t>Deuxième niveau</a:t>
             </a:r>
           </a:p>
           <a:p>
             <a:pPr lvl="2"/>
             <a:r>
-              <a:rPr lang="fr-FR" smtClean="0"/>
+              <a:rPr lang="fr-FR"/>
               <a:t>Troisième niveau</a:t>
             </a:r>
           </a:p>
           <a:p>
             <a:pPr lvl="3"/>
             <a:r>
-              <a:rPr lang="fr-FR" smtClean="0"/>
+              <a:rPr lang="fr-FR"/>
               <a:t>Quatrième niveau</a:t>
             </a:r>
           </a:p>
           <a:p>
             <a:pPr lvl="4"/>
             <a:r>
-              <a:rPr lang="fr-FR" smtClean="0"/>
+              <a:rPr lang="fr-FR"/>
               <a:t>Cinquième niveau</a:t>
             </a:r>
-            <a:endParaRPr lang="fr-FR"/>
           </a:p>
         </p:txBody>
       </p:sp>
@@ -1511,10 +1503,9 @@
           </a:lstStyle>
           <a:p>
             <a:r>
-              <a:rPr lang="fr-FR" smtClean="0"/>
+              <a:rPr lang="fr-FR"/>
               <a:t>Cliquez pour modifier le style du titre</a:t>
             </a:r>
-            <a:endParaRPr lang="fr-FR"/>
           </a:p>
         </p:txBody>
       </p:sp>
@@ -1577,7 +1568,7 @@
           <a:p>
             <a:pPr lvl="0"/>
             <a:r>
-              <a:rPr lang="fr-FR" smtClean="0"/>
+              <a:rPr lang="fr-FR"/>
               <a:t>Cliquez pour modifier les styles du texte du masque</a:t>
             </a:r>
           </a:p>
@@ -1633,38 +1624,37 @@
           <a:p>
             <a:pPr lvl="0"/>
             <a:r>
-              <a:rPr lang="fr-FR" smtClean="0"/>
+              <a:rPr lang="fr-FR"/>
               <a:t>Cliquez pour modifier les styles du texte du masque</a:t>
             </a:r>
           </a:p>
           <a:p>
             <a:pPr lvl="1"/>
             <a:r>
-              <a:rPr lang="fr-FR" smtClean="0"/>
+              <a:rPr lang="fr-FR"/>
               <a:t>Deuxième niveau</a:t>
             </a:r>
           </a:p>
           <a:p>
             <a:pPr lvl="2"/>
             <a:r>
-              <a:rPr lang="fr-FR" smtClean="0"/>
+              <a:rPr lang="fr-FR"/>
               <a:t>Troisième niveau</a:t>
             </a:r>
           </a:p>
           <a:p>
             <a:pPr lvl="3"/>
             <a:r>
-              <a:rPr lang="fr-FR" smtClean="0"/>
+              <a:rPr lang="fr-FR"/>
               <a:t>Quatrième niveau</a:t>
             </a:r>
           </a:p>
           <a:p>
             <a:pPr lvl="4"/>
             <a:r>
-              <a:rPr lang="fr-FR" smtClean="0"/>
+              <a:rPr lang="fr-FR"/>
               <a:t>Cinquième niveau</a:t>
             </a:r>
-            <a:endParaRPr lang="fr-FR"/>
           </a:p>
         </p:txBody>
       </p:sp>
@@ -1727,7 +1717,7 @@
           <a:p>
             <a:pPr lvl="0"/>
             <a:r>
-              <a:rPr lang="fr-FR" smtClean="0"/>
+              <a:rPr lang="fr-FR"/>
               <a:t>Cliquez pour modifier les styles du texte du masque</a:t>
             </a:r>
           </a:p>
@@ -1783,38 +1773,37 @@
           <a:p>
             <a:pPr lvl="0"/>
             <a:r>
-              <a:rPr lang="fr-FR" smtClean="0"/>
+              <a:rPr lang="fr-FR"/>
               <a:t>Cliquez pour modifier les styles du texte du masque</a:t>
             </a:r>
           </a:p>
           <a:p>
             <a:pPr lvl="1"/>
             <a:r>
-              <a:rPr lang="fr-FR" smtClean="0"/>
+              <a:rPr lang="fr-FR"/>
               <a:t>Deuxième niveau</a:t>
             </a:r>
           </a:p>
           <a:p>
             <a:pPr lvl="2"/>
             <a:r>
-              <a:rPr lang="fr-FR" smtClean="0"/>
+              <a:rPr lang="fr-FR"/>
               <a:t>Troisième niveau</a:t>
             </a:r>
           </a:p>
           <a:p>
             <a:pPr lvl="3"/>
             <a:r>
-              <a:rPr lang="fr-FR" smtClean="0"/>
+              <a:rPr lang="fr-FR"/>
               <a:t>Quatrième niveau</a:t>
             </a:r>
           </a:p>
           <a:p>
             <a:pPr lvl="4"/>
             <a:r>
-              <a:rPr lang="fr-FR" smtClean="0"/>
+              <a:rPr lang="fr-FR"/>
               <a:t>Cinquième niveau</a:t>
             </a:r>
-            <a:endParaRPr lang="fr-FR"/>
           </a:p>
         </p:txBody>
       </p:sp>
@@ -1864,10 +1853,9 @@
           <a:lstStyle/>
           <a:p>
             <a:r>
-              <a:rPr lang="fr-FR" smtClean="0"/>
+              <a:rPr lang="fr-FR"/>
               <a:t>Cliquez pour modifier le style du titre</a:t>
             </a:r>
-            <a:endParaRPr lang="fr-FR"/>
           </a:p>
         </p:txBody>
       </p:sp>
@@ -1956,10 +1944,9 @@
           </a:lstStyle>
           <a:p>
             <a:r>
-              <a:rPr lang="fr-FR" smtClean="0"/>
+              <a:rPr lang="fr-FR"/>
               <a:t>Cliquez pour modifier le style du titre</a:t>
             </a:r>
-            <a:endParaRPr lang="fr-FR"/>
           </a:p>
         </p:txBody>
       </p:sp>
@@ -2013,38 +2000,37 @@
           <a:p>
             <a:pPr lvl="0"/>
             <a:r>
-              <a:rPr lang="fr-FR" smtClean="0"/>
+              <a:rPr lang="fr-FR"/>
               <a:t>Cliquez pour modifier les styles du texte du masque</a:t>
             </a:r>
           </a:p>
           <a:p>
             <a:pPr lvl="1"/>
             <a:r>
-              <a:rPr lang="fr-FR" smtClean="0"/>
+              <a:rPr lang="fr-FR"/>
               <a:t>Deuxième niveau</a:t>
             </a:r>
           </a:p>
           <a:p>
             <a:pPr lvl="2"/>
             <a:r>
-              <a:rPr lang="fr-FR" smtClean="0"/>
+              <a:rPr lang="fr-FR"/>
               <a:t>Troisième niveau</a:t>
             </a:r>
           </a:p>
           <a:p>
             <a:pPr lvl="3"/>
             <a:r>
-              <a:rPr lang="fr-FR" smtClean="0"/>
+              <a:rPr lang="fr-FR"/>
               <a:t>Quatrième niveau</a:t>
             </a:r>
           </a:p>
           <a:p>
             <a:pPr lvl="4"/>
             <a:r>
-              <a:rPr lang="fr-FR" smtClean="0"/>
+              <a:rPr lang="fr-FR"/>
               <a:t>Cinquième niveau</a:t>
             </a:r>
-            <a:endParaRPr lang="fr-FR"/>
           </a:p>
         </p:txBody>
       </p:sp>
@@ -2107,7 +2093,7 @@
           <a:p>
             <a:pPr lvl="0"/>
             <a:r>
-              <a:rPr lang="fr-FR" smtClean="0"/>
+              <a:rPr lang="fr-FR"/>
               <a:t>Cliquez pour modifier les styles du texte du masque</a:t>
             </a:r>
           </a:p>
@@ -2168,10 +2154,9 @@
           </a:lstStyle>
           <a:p>
             <a:r>
-              <a:rPr lang="fr-FR" smtClean="0"/>
+              <a:rPr lang="fr-FR"/>
               <a:t>Cliquez pour modifier le style du titre</a:t>
             </a:r>
-            <a:endParaRPr lang="fr-FR"/>
           </a:p>
         </p:txBody>
       </p:sp>
@@ -2233,7 +2218,7 @@
           </a:lstStyle>
           <a:p>
             <a:pPr lvl="0"/>
-            <a:endParaRPr lang="fr-FR" noProof="0" smtClean="0"/>
+            <a:endParaRPr lang="fr-FR" noProof="0"/>
           </a:p>
         </p:txBody>
       </p:sp>
@@ -2296,7 +2281,7 @@
           <a:p>
             <a:pPr lvl="0"/>
             <a:r>
-              <a:rPr lang="fr-FR" smtClean="0"/>
+              <a:rPr lang="fr-FR"/>
               <a:t>Cliquez pour modifier les styles du texte du masque</a:t>
             </a:r>
           </a:p>
@@ -2348,10 +2333,9 @@
           <a:lstStyle/>
           <a:p>
             <a:r>
-              <a:rPr lang="fr-FR" smtClean="0"/>
+              <a:rPr lang="fr-FR"/>
               <a:t>Cliquez pour modifier le style du titre</a:t>
             </a:r>
-            <a:endParaRPr lang="fr-FR"/>
           </a:p>
         </p:txBody>
       </p:sp>
@@ -2372,38 +2356,37 @@
           <a:p>
             <a:pPr lvl="0"/>
             <a:r>
-              <a:rPr lang="fr-FR" smtClean="0"/>
+              <a:rPr lang="fr-FR"/>
               <a:t>Cliquez pour modifier les styles du texte du masque</a:t>
             </a:r>
           </a:p>
           <a:p>
             <a:pPr lvl="1"/>
             <a:r>
-              <a:rPr lang="fr-FR" smtClean="0"/>
+              <a:rPr lang="fr-FR"/>
               <a:t>Deuxième niveau</a:t>
             </a:r>
           </a:p>
           <a:p>
             <a:pPr lvl="2"/>
             <a:r>
-              <a:rPr lang="fr-FR" smtClean="0"/>
+              <a:rPr lang="fr-FR"/>
               <a:t>Troisième niveau</a:t>
             </a:r>
           </a:p>
           <a:p>
             <a:pPr lvl="3"/>
             <a:r>
-              <a:rPr lang="fr-FR" smtClean="0"/>
+              <a:rPr lang="fr-FR"/>
               <a:t>Quatrième niveau</a:t>
             </a:r>
           </a:p>
           <a:p>
             <a:pPr lvl="4"/>
             <a:r>
-              <a:rPr lang="fr-FR" smtClean="0"/>
+              <a:rPr lang="fr-FR"/>
               <a:t>Cinquième niveau</a:t>
             </a:r>
-            <a:endParaRPr lang="fr-FR"/>
           </a:p>
         </p:txBody>
       </p:sp>
@@ -2584,7 +2567,7 @@
             <a:pPr eaLnBrk="1" hangingPunct="1">
               <a:defRPr/>
             </a:pPr>
-            <a:endParaRPr lang="fr-FR" altLang="fr-FR" smtClean="0"/>
+            <a:endParaRPr lang="fr-FR" altLang="fr-FR"/>
           </a:p>
         </p:txBody>
       </p:sp>
@@ -2738,7 +2721,7 @@
               <a:defRPr/>
             </a:pPr>
             <a:r>
-              <a:rPr lang="fr-FR" sz="1200" dirty="0" smtClean="0"/>
+              <a:rPr lang="fr-FR" sz="1200" dirty="0"/>
               <a:t>Page </a:t>
             </a:r>
             <a:fld id="{E218E9B1-FD08-4C80-902E-210BA2967D0D}" type="slidenum">
@@ -2751,7 +2734,7 @@
               </a:pPr>
               <a:t>‹N°›</a:t>
             </a:fld>
-            <a:endParaRPr lang="fr-FR" dirty="0" smtClean="0">
+            <a:endParaRPr lang="fr-FR" dirty="0">
               <a:latin typeface="Times New Roman" pitchFamily="18" charset="0"/>
             </a:endParaRPr>
           </a:p>
@@ -2907,10 +2890,10 @@
               <a:defRPr/>
             </a:pPr>
             <a:r>
-              <a:rPr lang="fr-FR" sz="1600" dirty="0" smtClean="0"/>
+              <a:rPr lang="fr-FR" sz="1600" dirty="0"/>
               <a:t>Python</a:t>
             </a:r>
-            <a:endParaRPr lang="fr-FR" dirty="0" smtClean="0">
+            <a:endParaRPr lang="fr-FR" dirty="0">
               <a:latin typeface="Times New Roman" pitchFamily="18" charset="0"/>
             </a:endParaRPr>
           </a:p>
@@ -2968,7 +2951,7 @@
           <a:p>
             <a:pPr lvl="0"/>
             <a:r>
-              <a:rPr lang="fr-FR" altLang="fr-FR" smtClean="0"/>
+              <a:rPr lang="fr-FR" altLang="fr-FR"/>
               <a:t>Cliquez pour modifier le style du titre du masque</a:t>
             </a:r>
           </a:p>
@@ -3026,35 +3009,35 @@
           <a:p>
             <a:pPr lvl="0"/>
             <a:r>
-              <a:rPr lang="fr-FR" altLang="fr-FR" smtClean="0"/>
+              <a:rPr lang="fr-FR" altLang="fr-FR"/>
               <a:t>Cliquez pour modifier les styles du texte du masque</a:t>
             </a:r>
           </a:p>
           <a:p>
             <a:pPr lvl="1"/>
             <a:r>
-              <a:rPr lang="fr-FR" altLang="fr-FR" smtClean="0"/>
+              <a:rPr lang="fr-FR" altLang="fr-FR"/>
               <a:t>Deuxième niveau</a:t>
             </a:r>
           </a:p>
           <a:p>
             <a:pPr lvl="2"/>
             <a:r>
-              <a:rPr lang="fr-FR" altLang="fr-FR" smtClean="0"/>
+              <a:rPr lang="fr-FR" altLang="fr-FR"/>
               <a:t>Troisième niveau</a:t>
             </a:r>
           </a:p>
           <a:p>
             <a:pPr lvl="3"/>
             <a:r>
-              <a:rPr lang="fr-FR" altLang="fr-FR" smtClean="0"/>
+              <a:rPr lang="fr-FR" altLang="fr-FR"/>
               <a:t>Quatrième niveau</a:t>
             </a:r>
           </a:p>
           <a:p>
             <a:pPr lvl="4"/>
             <a:r>
-              <a:rPr lang="fr-FR" altLang="fr-FR" smtClean="0"/>
+              <a:rPr lang="fr-FR" altLang="fr-FR"/>
               <a:t>Cinquième niveau</a:t>
             </a:r>
           </a:p>
@@ -3210,10 +3193,10 @@
               <a:defRPr/>
             </a:pPr>
             <a:r>
-              <a:rPr lang="fr-FR" sz="1200" smtClean="0"/>
+              <a:rPr lang="fr-FR" sz="1200"/>
               <a:t>© Cyril Vincent Conseil</a:t>
             </a:r>
-            <a:endParaRPr lang="fr-FR" smtClean="0">
+            <a:endParaRPr lang="fr-FR">
               <a:latin typeface="Times New Roman" pitchFamily="18" charset="0"/>
             </a:endParaRPr>
           </a:p>
@@ -3695,14 +3678,14 @@
           <a:p>
             <a:pPr eaLnBrk="1" hangingPunct="1"/>
             <a:r>
-              <a:rPr lang="fr-FR" altLang="fr-FR" dirty="0" smtClean="0"/>
+              <a:rPr lang="fr-FR" altLang="fr-FR" dirty="0"/>
               <a:t>Chapitre 14</a:t>
             </a:r>
           </a:p>
           <a:p>
             <a:pPr eaLnBrk="1" hangingPunct="1"/>
             <a:r>
-              <a:rPr lang="fr-FR" altLang="fr-FR" dirty="0" smtClean="0"/>
+              <a:rPr lang="fr-FR" altLang="fr-FR" dirty="0"/>
               <a:t>Techniques avancées</a:t>
             </a:r>
           </a:p>
@@ -3755,14 +3738,13 @@
           <a:lstStyle/>
           <a:p>
             <a:r>
-              <a:rPr lang="fr-FR" sz="3600" dirty="0" err="1" smtClean="0"/>
+              <a:rPr lang="fr-FR" sz="3600" dirty="0" err="1"/>
               <a:t>Deep</a:t>
             </a:r>
             <a:r>
-              <a:rPr lang="fr-FR" sz="3600" dirty="0" smtClean="0"/>
+              <a:rPr lang="fr-FR" sz="3600" dirty="0"/>
               <a:t> Learning</a:t>
             </a:r>
-            <a:endParaRPr lang="fr-FR" sz="3600" dirty="0"/>
           </a:p>
         </p:txBody>
       </p:sp>
@@ -3812,13 +3794,6 @@
   <p:clrMapOvr>
     <a:masterClrMapping/>
   </p:clrMapOvr>
-  <p:timing>
-    <p:tnLst>
-      <p:par>
-        <p:cTn id="1" dur="indefinite" restart="never" nodeType="tmRoot"/>
-      </p:par>
-    </p:tnLst>
-  </p:timing>
 </p:sld>
 </file>
 
@@ -3855,10 +3830,9 @@
           <a:lstStyle/>
           <a:p>
             <a:r>
-              <a:rPr lang="fr-FR" dirty="0" smtClean="0"/>
+              <a:rPr lang="fr-FR" dirty="0"/>
               <a:t>Réentrainement</a:t>
             </a:r>
-            <a:endParaRPr lang="fr-FR" dirty="0"/>
           </a:p>
         </p:txBody>
       </p:sp>
@@ -3878,23 +3852,22 @@
           <a:lstStyle/>
           <a:p>
             <a:r>
-              <a:rPr lang="fr-FR" dirty="0" smtClean="0"/>
+              <a:rPr lang="fr-FR" dirty="0"/>
               <a:t>Apprentissage avec de nouvelles données</a:t>
             </a:r>
           </a:p>
           <a:p>
             <a:r>
-              <a:rPr lang="fr-FR" dirty="0" smtClean="0"/>
+              <a:rPr lang="fr-FR" dirty="0"/>
               <a:t>Ajout d’une catégorie</a:t>
             </a:r>
           </a:p>
           <a:p>
             <a:pPr lvl="1"/>
             <a:r>
-              <a:rPr lang="fr-FR" dirty="0" smtClean="0"/>
+              <a:rPr lang="fr-FR" dirty="0"/>
               <a:t>Réutilisation d’un modèle existant</a:t>
             </a:r>
-            <a:endParaRPr lang="fr-FR" dirty="0"/>
           </a:p>
         </p:txBody>
       </p:sp>
@@ -3908,13 +3881,6 @@
   <p:clrMapOvr>
     <a:masterClrMapping/>
   </p:clrMapOvr>
-  <p:timing>
-    <p:tnLst>
-      <p:par>
-        <p:cTn id="1" dur="indefinite" restart="never" nodeType="tmRoot"/>
-      </p:par>
-    </p:tnLst>
-  </p:timing>
 </p:sld>
 </file>
 
@@ -3951,11 +3917,11 @@
           <a:lstStyle/>
           <a:p>
             <a:r>
-              <a:rPr lang="fr-FR" dirty="0" smtClean="0"/>
+              <a:rPr lang="fr-FR" dirty="0"/>
               <a:t>Fine </a:t>
             </a:r>
             <a:r>
-              <a:rPr lang="fr-FR" dirty="0" err="1" smtClean="0"/>
+              <a:rPr lang="fr-FR" dirty="0" err="1"/>
               <a:t>Tuning</a:t>
             </a:r>
             <a:endParaRPr lang="fr-FR" dirty="0"/>
@@ -3978,36 +3944,36 @@
           <a:lstStyle/>
           <a:p>
             <a:r>
-              <a:rPr lang="fr-FR" dirty="0" smtClean="0"/>
+              <a:rPr lang="fr-FR" dirty="0"/>
               <a:t>Réglage fin</a:t>
             </a:r>
           </a:p>
           <a:p>
             <a:pPr lvl="1"/>
             <a:r>
-              <a:rPr lang="fr-FR" dirty="0" smtClean="0"/>
+              <a:rPr lang="fr-FR" dirty="0"/>
               <a:t>A faire sur un réseau déjà entrainé</a:t>
             </a:r>
           </a:p>
           <a:p>
             <a:pPr lvl="1"/>
             <a:r>
-              <a:rPr lang="fr-FR" dirty="0" smtClean="0"/>
+              <a:rPr lang="fr-FR" dirty="0"/>
               <a:t>Modification des paramètres des </a:t>
             </a:r>
             <a:r>
-              <a:rPr lang="fr-FR" dirty="0" err="1" smtClean="0"/>
+              <a:rPr lang="fr-FR" dirty="0" err="1"/>
               <a:t>layers</a:t>
             </a:r>
             <a:r>
-              <a:rPr lang="fr-FR" dirty="0" smtClean="0"/>
+              <a:rPr lang="fr-FR" dirty="0"/>
               <a:t> et du réseau</a:t>
             </a:r>
           </a:p>
           <a:p>
             <a:pPr lvl="1"/>
             <a:r>
-              <a:rPr lang="fr-FR" smtClean="0"/>
+              <a:rPr lang="fr-FR"/>
               <a:t>Passage à SGD</a:t>
             </a:r>
             <a:endParaRPr lang="fr-FR" dirty="0"/>
@@ -4024,13 +3990,6 @@
   <p:clrMapOvr>
     <a:masterClrMapping/>
   </p:clrMapOvr>
-  <p:timing>
-    <p:tnLst>
-      <p:par>
-        <p:cTn id="1" dur="indefinite" restart="never" nodeType="tmRoot"/>
-      </p:par>
-    </p:tnLst>
-  </p:timing>
 </p:sld>
 </file>
 
@@ -4067,10 +4026,9 @@
           <a:lstStyle/>
           <a:p>
             <a:r>
-              <a:rPr lang="fr-FR" dirty="0" smtClean="0"/>
+              <a:rPr lang="fr-FR" dirty="0"/>
               <a:t>Arguments Dense</a:t>
             </a:r>
-            <a:endParaRPr lang="fr-FR" dirty="0"/>
           </a:p>
         </p:txBody>
       </p:sp>
@@ -4127,13 +4085,6 @@
   <p:clrMapOvr>
     <a:masterClrMapping/>
   </p:clrMapOvr>
-  <p:timing>
-    <p:tnLst>
-      <p:par>
-        <p:cTn id="1" dur="indefinite" restart="never" nodeType="tmRoot"/>
-      </p:par>
-    </p:tnLst>
-  </p:timing>
 </p:sld>
 </file>
 
@@ -4170,7 +4121,7 @@
           <a:lstStyle/>
           <a:p>
             <a:r>
-              <a:rPr lang="fr-FR" dirty="0" err="1" smtClean="0"/>
+              <a:rPr lang="fr-FR" dirty="0" err="1"/>
               <a:t>Hyperparamètres</a:t>
             </a:r>
             <a:endParaRPr lang="fr-FR" dirty="0"/>
@@ -4193,34 +4144,34 @@
           <a:lstStyle/>
           <a:p>
             <a:r>
-              <a:rPr lang="fr-FR" dirty="0" smtClean="0"/>
+              <a:rPr lang="fr-FR" dirty="0"/>
               <a:t>Les réseaux </a:t>
             </a:r>
             <a:r>
-              <a:rPr lang="fr-FR" dirty="0" err="1" smtClean="0"/>
+              <a:rPr lang="fr-FR" dirty="0" err="1"/>
               <a:t>Deep</a:t>
             </a:r>
             <a:r>
-              <a:rPr lang="fr-FR" dirty="0" smtClean="0"/>
+              <a:rPr lang="fr-FR" dirty="0"/>
               <a:t> Learning possèdent de nombreux </a:t>
             </a:r>
             <a:r>
-              <a:rPr lang="fr-FR" dirty="0" err="1" smtClean="0"/>
+              <a:rPr lang="fr-FR" dirty="0" err="1"/>
               <a:t>hyperparamètres</a:t>
             </a:r>
-            <a:endParaRPr lang="fr-FR" dirty="0" smtClean="0"/>
-          </a:p>
-          <a:p>
-            <a:r>
-              <a:rPr lang="fr-FR" dirty="0" err="1" smtClean="0"/>
+            <a:endParaRPr lang="fr-FR" dirty="0"/>
+          </a:p>
+          <a:p>
+            <a:r>
+              <a:rPr lang="fr-FR" dirty="0" err="1"/>
               <a:t>Keras</a:t>
             </a:r>
             <a:r>
-              <a:rPr lang="fr-FR" dirty="0" smtClean="0"/>
+              <a:rPr lang="fr-FR" dirty="0"/>
               <a:t> permet l'utilisation d'</a:t>
             </a:r>
             <a:r>
-              <a:rPr lang="fr-FR" dirty="0" err="1" smtClean="0"/>
+              <a:rPr lang="fr-FR" dirty="0" err="1"/>
               <a:t>hyperparamètres</a:t>
             </a:r>
             <a:endParaRPr lang="fr-FR" dirty="0"/>
@@ -4228,66 +4179,66 @@
           <a:p>
             <a:pPr lvl="1"/>
             <a:r>
-              <a:rPr lang="fr-FR" dirty="0" smtClean="0"/>
+              <a:rPr lang="fr-FR" dirty="0"/>
               <a:t>Nombre et forme des filtres</a:t>
             </a:r>
           </a:p>
           <a:p>
             <a:pPr lvl="1"/>
             <a:r>
-              <a:rPr lang="fr-FR" dirty="0" smtClean="0"/>
+              <a:rPr lang="fr-FR" dirty="0"/>
               <a:t>Régularisation</a:t>
             </a:r>
           </a:p>
           <a:p>
             <a:pPr lvl="2"/>
             <a:r>
-              <a:rPr lang="fr-FR" dirty="0" err="1" smtClean="0"/>
+              <a:rPr lang="fr-FR" dirty="0" err="1"/>
               <a:t>DropOut</a:t>
             </a:r>
             <a:r>
-              <a:rPr lang="fr-FR" dirty="0" smtClean="0"/>
+              <a:rPr lang="fr-FR" dirty="0"/>
               <a:t>, </a:t>
             </a:r>
             <a:r>
-              <a:rPr lang="fr-FR" dirty="0" err="1" smtClean="0"/>
+              <a:rPr lang="fr-FR" dirty="0" err="1"/>
               <a:t>DropConnect</a:t>
             </a:r>
             <a:r>
-              <a:rPr lang="fr-FR" dirty="0" smtClean="0"/>
+              <a:rPr lang="fr-FR" dirty="0"/>
               <a:t>, …</a:t>
             </a:r>
           </a:p>
           <a:p>
             <a:pPr lvl="1"/>
             <a:r>
-              <a:rPr lang="fr-FR" dirty="0" err="1" smtClean="0"/>
+              <a:rPr lang="fr-FR" dirty="0" err="1"/>
               <a:t>Optimizer</a:t>
             </a:r>
-            <a:endParaRPr lang="fr-FR" dirty="0" smtClean="0"/>
+            <a:endParaRPr lang="fr-FR" dirty="0"/>
           </a:p>
           <a:p>
             <a:pPr lvl="1"/>
             <a:r>
-              <a:rPr lang="fr-FR" dirty="0" err="1" smtClean="0"/>
+              <a:rPr lang="fr-FR" dirty="0" err="1"/>
               <a:t>Strides</a:t>
             </a:r>
-            <a:endParaRPr lang="fr-FR" dirty="0" smtClean="0"/>
+            <a:endParaRPr lang="fr-FR" dirty="0"/>
           </a:p>
           <a:p>
             <a:pPr lvl="1"/>
             <a:r>
-              <a:rPr lang="fr-FR" dirty="0" smtClean="0"/>
+              <a:rPr lang="fr-FR" dirty="0"/>
               <a:t>…</a:t>
             </a:r>
           </a:p>
           <a:p>
             <a:pPr lvl="1"/>
-            <a:endParaRPr lang="fr-FR" dirty="0" smtClean="0"/>
+            <a:endParaRPr lang="fr-FR" dirty="0"/>
           </a:p>
           <a:p>
             <a:pPr lvl="2"/>
-            <a:endParaRPr lang="fr-FR" dirty="0" smtClean="0"/>
+            <a:endParaRPr lang="fr-FR" dirty="0"/>
           </a:p>
           <a:p>
             <a:pPr lvl="1"/>
@@ -4346,13 +4297,6 @@
   <p:clrMapOvr>
     <a:masterClrMapping/>
   </p:clrMapOvr>
-  <p:timing>
-    <p:tnLst>
-      <p:par>
-        <p:cTn id="1" dur="indefinite" restart="never" nodeType="tmRoot"/>
-      </p:par>
-    </p:tnLst>
-  </p:timing>
 </p:sld>
 </file>
 
@@ -4389,10 +4333,9 @@
           <a:lstStyle/>
           <a:p>
             <a:r>
-              <a:rPr lang="fr-FR" dirty="0" smtClean="0"/>
+              <a:rPr lang="fr-FR" dirty="0"/>
               <a:t>Régularisation L1 et L2</a:t>
             </a:r>
-            <a:endParaRPr lang="fr-FR" dirty="0"/>
           </a:p>
         </p:txBody>
       </p:sp>
@@ -4412,21 +4355,21 @@
           <a:lstStyle/>
           <a:p>
             <a:r>
-              <a:rPr lang="fr-FR" dirty="0" smtClean="0"/>
+              <a:rPr lang="fr-FR" dirty="0"/>
               <a:t>Un réseau profond peut avoir tendance à "Dropper" automatiquement des neurones en affectant des poids tendant vers zéro</a:t>
             </a:r>
           </a:p>
           <a:p>
             <a:pPr lvl="1"/>
             <a:r>
-              <a:rPr lang="fr-FR" dirty="0" smtClean="0"/>
+              <a:rPr lang="fr-FR" dirty="0"/>
               <a:t>Ce qui a tendance à créer un </a:t>
             </a:r>
             <a:r>
-              <a:rPr lang="fr-FR" dirty="0" err="1" smtClean="0"/>
+              <a:rPr lang="fr-FR" dirty="0" err="1"/>
               <a:t>underfitting</a:t>
             </a:r>
-            <a:endParaRPr lang="fr-FR" dirty="0" smtClean="0"/>
+            <a:endParaRPr lang="fr-FR" dirty="0"/>
           </a:p>
           <a:p>
             <a:pPr lvl="1"/>
@@ -4434,115 +4377,115 @@
           </a:p>
           <a:p>
             <a:pPr lvl="1"/>
-            <a:endParaRPr lang="fr-FR" dirty="0" smtClean="0"/>
+            <a:endParaRPr lang="fr-FR" dirty="0"/>
           </a:p>
           <a:p>
             <a:pPr marL="457200" lvl="1" indent="0">
               <a:buNone/>
             </a:pPr>
-            <a:endParaRPr lang="fr-FR" dirty="0" smtClean="0"/>
+            <a:endParaRPr lang="fr-FR" dirty="0"/>
           </a:p>
           <a:p>
             <a:pPr lvl="1"/>
             <a:r>
-              <a:rPr lang="fr-FR" dirty="0" smtClean="0"/>
+              <a:rPr lang="fr-FR" dirty="0"/>
               <a:t>La fonction de calcul des poids peut être modifié </a:t>
             </a:r>
           </a:p>
           <a:p>
             <a:pPr lvl="2"/>
             <a:r>
-              <a:rPr lang="fr-FR" dirty="0" smtClean="0"/>
+              <a:rPr lang="fr-FR" dirty="0"/>
               <a:t>L1 : f = </a:t>
             </a:r>
             <a:r>
-              <a:rPr lang="fr-FR" dirty="0" err="1" smtClean="0"/>
+              <a:rPr lang="fr-FR" dirty="0" err="1"/>
               <a:t>loss</a:t>
             </a:r>
             <a:r>
-              <a:rPr lang="fr-FR" dirty="0" smtClean="0"/>
+              <a:rPr lang="fr-FR" dirty="0"/>
               <a:t> + regularizers.l1 * </a:t>
             </a:r>
             <a:r>
-              <a:rPr lang="fr-FR" dirty="0" err="1" smtClean="0"/>
+              <a:rPr lang="fr-FR" dirty="0" err="1"/>
               <a:t>sum</a:t>
             </a:r>
             <a:r>
-              <a:rPr lang="fr-FR" dirty="0" smtClean="0"/>
+              <a:rPr lang="fr-FR" dirty="0"/>
               <a:t>(</a:t>
             </a:r>
             <a:r>
-              <a:rPr lang="fr-FR" dirty="0" err="1" smtClean="0"/>
+              <a:rPr lang="fr-FR" dirty="0" err="1"/>
               <a:t>weigths</a:t>
             </a:r>
             <a:r>
-              <a:rPr lang="fr-FR" dirty="0" smtClean="0"/>
+              <a:rPr lang="fr-FR" dirty="0"/>
               <a:t> ** 2)</a:t>
             </a:r>
           </a:p>
           <a:p>
             <a:pPr lvl="2"/>
             <a:r>
-              <a:rPr lang="fr-FR" dirty="0" smtClean="0"/>
+              <a:rPr lang="fr-FR" dirty="0"/>
               <a:t>L2 : f = </a:t>
             </a:r>
             <a:r>
-              <a:rPr lang="fr-FR" dirty="0" err="1" smtClean="0"/>
+              <a:rPr lang="fr-FR" dirty="0" err="1"/>
               <a:t>loss</a:t>
             </a:r>
             <a:r>
-              <a:rPr lang="fr-FR" dirty="0" smtClean="0"/>
+              <a:rPr lang="fr-FR" dirty="0"/>
               <a:t> + regularizers.l2 * </a:t>
             </a:r>
             <a:r>
-              <a:rPr lang="fr-FR" dirty="0" err="1" smtClean="0"/>
+              <a:rPr lang="fr-FR" dirty="0" err="1"/>
               <a:t>sum</a:t>
             </a:r>
             <a:r>
-              <a:rPr lang="fr-FR" dirty="0" smtClean="0"/>
+              <a:rPr lang="fr-FR" dirty="0"/>
               <a:t>(</a:t>
             </a:r>
             <a:r>
-              <a:rPr lang="fr-FR" dirty="0" err="1" smtClean="0"/>
+              <a:rPr lang="fr-FR" dirty="0" err="1"/>
               <a:t>np.abs</a:t>
             </a:r>
             <a:r>
-              <a:rPr lang="fr-FR" dirty="0" smtClean="0"/>
+              <a:rPr lang="fr-FR" dirty="0"/>
               <a:t>(</a:t>
             </a:r>
             <a:r>
-              <a:rPr lang="fr-FR" dirty="0" err="1" smtClean="0"/>
+              <a:rPr lang="fr-FR" dirty="0" err="1"/>
               <a:t>weigths</a:t>
             </a:r>
             <a:r>
-              <a:rPr lang="fr-FR" dirty="0" smtClean="0"/>
+              <a:rPr lang="fr-FR" dirty="0"/>
               <a:t>))</a:t>
             </a:r>
           </a:p>
           <a:p>
             <a:pPr lvl="1"/>
             <a:r>
-              <a:rPr lang="fr-FR" dirty="0" err="1" smtClean="0"/>
+              <a:rPr lang="fr-FR" dirty="0" err="1"/>
               <a:t>Keras</a:t>
             </a:r>
-            <a:endParaRPr lang="fr-FR" dirty="0" smtClean="0"/>
+            <a:endParaRPr lang="fr-FR" dirty="0"/>
           </a:p>
           <a:p>
             <a:pPr lvl="2"/>
             <a:r>
-              <a:rPr lang="fr-FR" dirty="0" err="1" smtClean="0"/>
+              <a:rPr lang="fr-FR" dirty="0" err="1"/>
               <a:t>model.add</a:t>
             </a:r>
             <a:r>
-              <a:rPr lang="fr-FR" dirty="0" smtClean="0"/>
+              <a:rPr lang="fr-FR" dirty="0"/>
               <a:t>(Dense(64, </a:t>
             </a:r>
             <a:r>
-              <a:rPr lang="fr-FR" dirty="0" err="1" smtClean="0"/>
+              <a:rPr lang="fr-FR" dirty="0" err="1"/>
               <a:t>kernel_regularizer</a:t>
             </a:r>
             <a:r>
-              <a:rPr lang="fr-FR" dirty="0" smtClean="0"/>
+              <a:rPr lang="fr-FR" dirty="0"/>
               <a:t>=regularizers.l2(0.01)))</a:t>
             </a:r>
           </a:p>
@@ -4643,13 +4586,6 @@
   <p:clrMapOvr>
     <a:masterClrMapping/>
   </p:clrMapOvr>
-  <p:timing>
-    <p:tnLst>
-      <p:par>
-        <p:cTn id="1" dur="indefinite" restart="never" nodeType="tmRoot"/>
-      </p:par>
-    </p:tnLst>
-  </p:timing>
 </p:sld>
 </file>
 
@@ -4686,10 +4622,9 @@
           <a:lstStyle/>
           <a:p>
             <a:r>
-              <a:rPr lang="fr-FR" dirty="0" smtClean="0"/>
+              <a:rPr lang="fr-FR" dirty="0"/>
               <a:t>SGD</a:t>
             </a:r>
-            <a:endParaRPr lang="fr-FR" dirty="0"/>
           </a:p>
         </p:txBody>
       </p:sp>
@@ -4725,15 +4660,15 @@
               <a:t> </a:t>
             </a:r>
             <a:r>
-              <a:rPr lang="fr-FR" dirty="0" err="1" smtClean="0"/>
+              <a:rPr lang="fr-FR" dirty="0" err="1"/>
               <a:t>optimizer</a:t>
             </a:r>
-            <a:endParaRPr lang="fr-FR" dirty="0" smtClean="0"/>
+            <a:endParaRPr lang="fr-FR" dirty="0"/>
           </a:p>
           <a:p>
             <a:pPr lvl="1"/>
             <a:r>
-              <a:rPr lang="fr-FR" dirty="0" smtClean="0"/>
+              <a:rPr lang="fr-FR" dirty="0"/>
               <a:t>Permet d'optimiser l'application du gradient sur les poids</a:t>
             </a:r>
           </a:p>
@@ -4761,7 +4696,7 @@
             </a:r>
             <a:r>
               <a:rPr lang="fr-FR" dirty="0"/>
-              <a:t>=0.1, </a:t>
+              <a:t>=0.0001, </a:t>
             </a:r>
             <a:r>
               <a:rPr lang="fr-FR" dirty="0" err="1"/>
@@ -4769,7 +4704,7 @@
             </a:r>
             <a:r>
               <a:rPr lang="fr-FR" dirty="0"/>
-              <a:t>=1e-4, </a:t>
+              <a:t>=1e-6, </a:t>
             </a:r>
             <a:r>
               <a:rPr lang="fr-FR" dirty="0" err="1"/>
@@ -4792,133 +4727,133 @@
               <a:t>True</a:t>
             </a:r>
             <a:r>
-              <a:rPr lang="fr-FR" dirty="0" smtClean="0"/>
+              <a:rPr lang="fr-FR" dirty="0"/>
               <a:t>)</a:t>
             </a:r>
           </a:p>
           <a:p>
             <a:pPr lvl="1"/>
             <a:r>
-              <a:rPr lang="fr-FR" dirty="0" err="1" smtClean="0"/>
+              <a:rPr lang="fr-FR" dirty="0" err="1"/>
               <a:t>lr</a:t>
             </a:r>
             <a:r>
-              <a:rPr lang="fr-FR" dirty="0" smtClean="0"/>
+              <a:rPr lang="fr-FR" dirty="0"/>
               <a:t> = Learning Rate</a:t>
             </a:r>
           </a:p>
           <a:p>
             <a:pPr lvl="1"/>
             <a:r>
-              <a:rPr lang="fr-FR" dirty="0" err="1" smtClean="0"/>
+              <a:rPr lang="fr-FR" dirty="0" err="1"/>
               <a:t>momentum</a:t>
             </a:r>
             <a:r>
-              <a:rPr lang="fr-FR" dirty="0" smtClean="0"/>
+              <a:rPr lang="fr-FR" dirty="0"/>
               <a:t> = le moment du </a:t>
             </a:r>
             <a:r>
-              <a:rPr lang="fr-FR" dirty="0" err="1" smtClean="0"/>
+              <a:rPr lang="fr-FR" dirty="0" err="1"/>
               <a:t>lr</a:t>
             </a:r>
             <a:r>
-              <a:rPr lang="fr-FR" dirty="0" smtClean="0"/>
+              <a:rPr lang="fr-FR" dirty="0"/>
               <a:t> (</a:t>
             </a:r>
             <a:r>
-              <a:rPr lang="fr-FR" dirty="0" err="1" smtClean="0"/>
+              <a:rPr lang="fr-FR" dirty="0" err="1"/>
               <a:t>acceleration</a:t>
             </a:r>
             <a:r>
-              <a:rPr lang="fr-FR" dirty="0" smtClean="0"/>
+              <a:rPr lang="fr-FR" dirty="0"/>
               <a:t> du </a:t>
             </a:r>
             <a:r>
-              <a:rPr lang="fr-FR" dirty="0" err="1" smtClean="0"/>
+              <a:rPr lang="fr-FR" dirty="0" err="1"/>
               <a:t>lr</a:t>
             </a:r>
             <a:r>
-              <a:rPr lang="fr-FR" dirty="0" smtClean="0"/>
+              <a:rPr lang="fr-FR" dirty="0"/>
               <a:t>)</a:t>
             </a:r>
           </a:p>
           <a:p>
             <a:pPr lvl="2"/>
             <a:r>
-              <a:rPr lang="fr-FR" dirty="0" smtClean="0"/>
+              <a:rPr lang="fr-FR" dirty="0"/>
               <a:t>Ici comme </a:t>
             </a:r>
             <a:r>
-              <a:rPr lang="fr-FR" dirty="0" err="1" smtClean="0"/>
+              <a:rPr lang="fr-FR" dirty="0" err="1"/>
               <a:t>momentum</a:t>
             </a:r>
             <a:r>
-              <a:rPr lang="fr-FR" dirty="0" smtClean="0"/>
+              <a:rPr lang="fr-FR" dirty="0"/>
               <a:t> &lt; 1 c'est une décélération</a:t>
             </a:r>
           </a:p>
           <a:p>
             <a:pPr lvl="1"/>
             <a:r>
-              <a:rPr lang="fr-FR" dirty="0" err="1" smtClean="0"/>
+              <a:rPr lang="fr-FR" dirty="0" err="1"/>
               <a:t>decay</a:t>
             </a:r>
             <a:r>
-              <a:rPr lang="fr-FR" dirty="0" smtClean="0"/>
+              <a:rPr lang="fr-FR" dirty="0"/>
               <a:t> = décrément du </a:t>
             </a:r>
             <a:r>
-              <a:rPr lang="fr-FR" dirty="0" err="1" smtClean="0"/>
+              <a:rPr lang="fr-FR" dirty="0" err="1"/>
               <a:t>lr</a:t>
             </a:r>
-            <a:endParaRPr lang="fr-FR" dirty="0" smtClean="0"/>
+            <a:endParaRPr lang="fr-FR" dirty="0"/>
           </a:p>
           <a:p>
             <a:pPr lvl="1"/>
             <a:r>
-              <a:rPr lang="fr-FR" dirty="0" err="1" smtClean="0"/>
+              <a:rPr lang="fr-FR" dirty="0" err="1"/>
               <a:t>nesterov</a:t>
             </a:r>
             <a:r>
-              <a:rPr lang="fr-FR" dirty="0" smtClean="0"/>
+              <a:rPr lang="fr-FR" dirty="0"/>
               <a:t> = </a:t>
             </a:r>
             <a:r>
-              <a:rPr lang="fr-FR" dirty="0" err="1" smtClean="0"/>
+              <a:rPr lang="fr-FR" dirty="0" err="1"/>
               <a:t>True</a:t>
             </a:r>
             <a:r>
-              <a:rPr lang="fr-FR" dirty="0" smtClean="0"/>
+              <a:rPr lang="fr-FR" dirty="0"/>
               <a:t> calcul du moment plus précis</a:t>
             </a:r>
           </a:p>
           <a:p>
             <a:pPr lvl="1"/>
             <a:r>
-              <a:rPr lang="fr-FR" dirty="0" smtClean="0"/>
+              <a:rPr lang="fr-FR" dirty="0"/>
               <a:t>Nécessite d'avantage d'</a:t>
             </a:r>
             <a:r>
-              <a:rPr lang="fr-FR" dirty="0" err="1" smtClean="0"/>
+              <a:rPr lang="fr-FR" dirty="0" err="1"/>
               <a:t>epoch</a:t>
             </a:r>
             <a:r>
-              <a:rPr lang="fr-FR" dirty="0" smtClean="0"/>
+              <a:rPr lang="fr-FR" dirty="0"/>
               <a:t> que </a:t>
             </a:r>
             <a:r>
-              <a:rPr lang="fr-FR" dirty="0" err="1" smtClean="0"/>
+              <a:rPr lang="fr-FR" dirty="0" err="1"/>
               <a:t>adam</a:t>
             </a:r>
-            <a:endParaRPr lang="fr-FR" dirty="0" smtClean="0"/>
+            <a:endParaRPr lang="fr-FR" dirty="0"/>
           </a:p>
           <a:p>
             <a:pPr lvl="1"/>
-            <a:endParaRPr lang="fr-FR" dirty="0" smtClean="0"/>
+            <a:endParaRPr lang="fr-FR" dirty="0"/>
           </a:p>
           <a:p>
             <a:pPr lvl="2"/>
-            <a:endParaRPr lang="fr-FR" dirty="0" smtClean="0"/>
+            <a:endParaRPr lang="fr-FR" dirty="0"/>
           </a:p>
         </p:txBody>
       </p:sp>
@@ -4932,13 +4867,6 @@
   <p:clrMapOvr>
     <a:masterClrMapping/>
   </p:clrMapOvr>
-  <p:timing>
-    <p:tnLst>
-      <p:par>
-        <p:cTn id="1" dur="indefinite" restart="never" nodeType="tmRoot"/>
-      </p:par>
-    </p:tnLst>
-  </p:timing>
 </p:sld>
 </file>
 
@@ -4975,15 +4903,15 @@
           <a:lstStyle/>
           <a:p>
             <a:r>
-              <a:rPr lang="fr-FR" dirty="0" err="1" smtClean="0"/>
+              <a:rPr lang="fr-FR" dirty="0" err="1"/>
               <a:t>Early</a:t>
             </a:r>
             <a:r>
-              <a:rPr lang="fr-FR" dirty="0" smtClean="0"/>
+              <a:rPr lang="fr-FR" dirty="0"/>
               <a:t> </a:t>
             </a:r>
             <a:r>
-              <a:rPr lang="fr-FR" dirty="0" err="1" smtClean="0"/>
+              <a:rPr lang="fr-FR" dirty="0" err="1"/>
               <a:t>Stopping</a:t>
             </a:r>
             <a:endParaRPr lang="fr-FR" dirty="0"/>
@@ -5006,18 +4934,17 @@
           <a:lstStyle/>
           <a:p>
             <a:r>
-              <a:rPr lang="fr-FR" dirty="0" smtClean="0"/>
+              <a:rPr lang="fr-FR" dirty="0"/>
               <a:t>Permet de stopper les </a:t>
             </a:r>
             <a:r>
-              <a:rPr lang="fr-FR" dirty="0" err="1" smtClean="0"/>
+              <a:rPr lang="fr-FR" dirty="0" err="1"/>
               <a:t>epochs</a:t>
             </a:r>
             <a:r>
-              <a:rPr lang="fr-FR" dirty="0" smtClean="0"/>
+              <a:rPr lang="fr-FR" dirty="0"/>
               <a:t> s'il n'y a aucune progression</a:t>
             </a:r>
-            <a:endParaRPr lang="fr-FR" dirty="0"/>
           </a:p>
         </p:txBody>
       </p:sp>
@@ -5031,13 +4958,116 @@
   <p:clrMapOvr>
     <a:masterClrMapping/>
   </p:clrMapOvr>
-  <p:timing>
-    <p:tnLst>
-      <p:par>
-        <p:cTn id="1" dur="indefinite" restart="never" nodeType="tmRoot"/>
-      </p:par>
-    </p:tnLst>
-  </p:timing>
+</p:sld>
+</file>
+
+<file path=ppt/slides/slide9.xml><?xml version="1.0" encoding="utf-8"?>
+<p:sld xmlns:a="http://schemas.openxmlformats.org/drawingml/2006/main" xmlns:r="http://schemas.openxmlformats.org/officeDocument/2006/relationships" xmlns:p="http://schemas.openxmlformats.org/presentationml/2006/main">
+  <p:cSld>
+    <p:spTree>
+      <p:nvGrpSpPr>
+        <p:cNvPr id="1" name=""/>
+        <p:cNvGrpSpPr/>
+        <p:nvPr/>
+      </p:nvGrpSpPr>
+      <p:grpSpPr>
+        <a:xfrm>
+          <a:off x="0" y="0"/>
+          <a:ext cx="0" cy="0"/>
+          <a:chOff x="0" y="0"/>
+          <a:chExt cx="0" cy="0"/>
+        </a:xfrm>
+      </p:grpSpPr>
+      <p:sp>
+        <p:nvSpPr>
+          <p:cNvPr id="2" name="Titre 1">
+            <a:extLst>
+              <a:ext uri="{FF2B5EF4-FFF2-40B4-BE49-F238E27FC236}">
+                <a16:creationId xmlns:a16="http://schemas.microsoft.com/office/drawing/2014/main" id="{BE059511-71BC-4AE8-A6B2-1DC42EF9ED34}"/>
+              </a:ext>
+            </a:extLst>
+          </p:cNvPr>
+          <p:cNvSpPr>
+            <a:spLocks noGrp="1"/>
+          </p:cNvSpPr>
+          <p:nvPr>
+            <p:ph type="title"/>
+          </p:nvPr>
+        </p:nvSpPr>
+        <p:spPr/>
+        <p:txBody>
+          <a:bodyPr/>
+          <a:lstStyle/>
+          <a:p>
+            <a:r>
+              <a:rPr lang="fr-FR" dirty="0"/>
+              <a:t>Multi inputs &amp; outputs</a:t>
+            </a:r>
+          </a:p>
+        </p:txBody>
+      </p:sp>
+      <p:sp>
+        <p:nvSpPr>
+          <p:cNvPr id="3" name="Espace réservé du contenu 2">
+            <a:extLst>
+              <a:ext uri="{FF2B5EF4-FFF2-40B4-BE49-F238E27FC236}">
+                <a16:creationId xmlns:a16="http://schemas.microsoft.com/office/drawing/2014/main" id="{A04D0132-EA8B-4660-A0C0-656082CFA3E8}"/>
+              </a:ext>
+            </a:extLst>
+          </p:cNvPr>
+          <p:cNvSpPr>
+            <a:spLocks noGrp="1"/>
+          </p:cNvSpPr>
+          <p:nvPr>
+            <p:ph idx="1"/>
+          </p:nvPr>
+        </p:nvSpPr>
+        <p:spPr/>
+        <p:txBody>
+          <a:bodyPr/>
+          <a:lstStyle/>
+          <a:p>
+            <a:r>
+              <a:rPr lang="fr-FR" dirty="0"/>
+              <a:t>Un MLP peut avoir plusieurs entrées et sorties</a:t>
+            </a:r>
+          </a:p>
+          <a:p>
+            <a:r>
+              <a:rPr lang="fr-FR" dirty="0"/>
+              <a:t>Il est possible de fusionner des résultats des plusieurs réseaux</a:t>
+            </a:r>
+          </a:p>
+          <a:p>
+            <a:r>
+              <a:rPr lang="fr-FR" dirty="0"/>
+              <a:t>Il est possible de fusionner des CNN et des </a:t>
+            </a:r>
+            <a:r>
+              <a:rPr lang="fr-FR" dirty="0" err="1"/>
+              <a:t>RandomForests</a:t>
+            </a:r>
+            <a:endParaRPr lang="fr-FR" dirty="0"/>
+          </a:p>
+          <a:p>
+            <a:pPr lvl="1"/>
+            <a:r>
+              <a:rPr lang="fr-FR" dirty="0"/>
+              <a:t>Approche hybride</a:t>
+            </a:r>
+          </a:p>
+        </p:txBody>
+      </p:sp>
+    </p:spTree>
+    <p:extLst>
+      <p:ext uri="{BB962C8B-B14F-4D97-AF65-F5344CB8AC3E}">
+        <p14:creationId xmlns:p14="http://schemas.microsoft.com/office/powerpoint/2010/main" val="1295406199"/>
+      </p:ext>
+    </p:extLst>
+  </p:cSld>
+  <p:clrMapOvr>
+    <a:masterClrMapping/>
+  </p:clrMapOvr>
 </p:sld>
 </file>
 

--- a/PPT/DeepLearning14-CNN-Advanced.pptx
+++ b/PPT/DeepLearning14-CNN-Advanced.pptx
@@ -5,10 +5,10 @@
     <p:sldMasterId id="2147483653" r:id="rId1"/>
   </p:sldMasterIdLst>
   <p:notesMasterIdLst>
-    <p:notesMasterId r:id="rId11"/>
+    <p:notesMasterId r:id="rId12"/>
   </p:notesMasterIdLst>
   <p:handoutMasterIdLst>
-    <p:handoutMasterId r:id="rId12"/>
+    <p:handoutMasterId r:id="rId13"/>
   </p:handoutMasterIdLst>
   <p:sldIdLst>
     <p:sldId id="264" r:id="rId2"/>
@@ -20,6 +20,7 @@
     <p:sldId id="275" r:id="rId8"/>
     <p:sldId id="276" r:id="rId9"/>
     <p:sldId id="278" r:id="rId10"/>
+    <p:sldId id="279" r:id="rId11"/>
   </p:sldIdLst>
   <p:sldSz cx="9144000" cy="6858000" type="screen4x3"/>
   <p:notesSz cx="6648450" cy="9782175"/>
@@ -3790,6 +3791,140 @@
         </p:spPr>
       </p:pic>
     </p:spTree>
+  </p:cSld>
+  <p:clrMapOvr>
+    <a:masterClrMapping/>
+  </p:clrMapOvr>
+</p:sld>
+</file>
+
+<file path=ppt/slides/slide10.xml><?xml version="1.0" encoding="utf-8"?>
+<p:sld xmlns:a="http://schemas.openxmlformats.org/drawingml/2006/main" xmlns:r="http://schemas.openxmlformats.org/officeDocument/2006/relationships" xmlns:p="http://schemas.openxmlformats.org/presentationml/2006/main">
+  <p:cSld>
+    <p:spTree>
+      <p:nvGrpSpPr>
+        <p:cNvPr id="1" name=""/>
+        <p:cNvGrpSpPr/>
+        <p:nvPr/>
+      </p:nvGrpSpPr>
+      <p:grpSpPr>
+        <a:xfrm>
+          <a:off x="0" y="0"/>
+          <a:ext cx="0" cy="0"/>
+          <a:chOff x="0" y="0"/>
+          <a:chExt cx="0" cy="0"/>
+        </a:xfrm>
+      </p:grpSpPr>
+      <p:sp>
+        <p:nvSpPr>
+          <p:cNvPr id="2" name="Titre 1">
+            <a:extLst>
+              <a:ext uri="{FF2B5EF4-FFF2-40B4-BE49-F238E27FC236}">
+                <a16:creationId xmlns:a16="http://schemas.microsoft.com/office/drawing/2014/main" id="{497CC388-DA47-4F86-8B40-5AFC7E322D20}"/>
+              </a:ext>
+            </a:extLst>
+          </p:cNvPr>
+          <p:cNvSpPr>
+            <a:spLocks noGrp="1"/>
+          </p:cNvSpPr>
+          <p:nvPr>
+            <p:ph type="title"/>
+          </p:nvPr>
+        </p:nvSpPr>
+        <p:spPr/>
+        <p:txBody>
+          <a:bodyPr/>
+          <a:lstStyle/>
+          <a:p>
+            <a:endParaRPr lang="fr-FR"/>
+          </a:p>
+        </p:txBody>
+      </p:sp>
+      <p:sp>
+        <p:nvSpPr>
+          <p:cNvPr id="3" name="Espace réservé du contenu 2">
+            <a:extLst>
+              <a:ext uri="{FF2B5EF4-FFF2-40B4-BE49-F238E27FC236}">
+                <a16:creationId xmlns:a16="http://schemas.microsoft.com/office/drawing/2014/main" id="{AB856DC5-3590-4755-A9E3-F7874DD497A4}"/>
+              </a:ext>
+            </a:extLst>
+          </p:cNvPr>
+          <p:cNvSpPr>
+            <a:spLocks noGrp="1"/>
+          </p:cNvSpPr>
+          <p:nvPr>
+            <p:ph idx="1"/>
+          </p:nvPr>
+        </p:nvSpPr>
+        <p:spPr/>
+        <p:txBody>
+          <a:bodyPr/>
+          <a:lstStyle/>
+          <a:p>
+            <a:pPr marL="0" indent="0">
+              <a:buNone/>
+            </a:pPr>
+            <a:r>
+              <a:rPr lang="fr-FR" dirty="0"/>
+              <a:t>Data =&gt; RF</a:t>
+            </a:r>
+          </a:p>
+          <a:p>
+            <a:pPr marL="2743200" lvl="6" indent="0">
+              <a:buNone/>
+            </a:pPr>
+            <a:r>
+              <a:rPr lang="fr-FR" sz="2800" dirty="0"/>
+              <a:t>          Merge =&gt; MLP</a:t>
+            </a:r>
+          </a:p>
+          <a:p>
+            <a:pPr marL="0" indent="0">
+              <a:buNone/>
+            </a:pPr>
+            <a:r>
+              <a:rPr lang="fr-FR" dirty="0"/>
+              <a:t>Images =&gt; CNN</a:t>
+            </a:r>
+          </a:p>
+          <a:p>
+            <a:pPr marL="0" indent="0">
+              <a:buNone/>
+            </a:pPr>
+            <a:r>
+              <a:rPr lang="fr-FR" dirty="0"/>
+              <a:t>	    =&gt;        + </a:t>
+            </a:r>
+            <a:r>
+              <a:rPr lang="fr-FR"/>
+              <a:t>RF &lt;= </a:t>
+            </a:r>
+            <a:r>
+              <a:rPr lang="fr-FR" dirty="0" err="1"/>
+              <a:t>Feature</a:t>
+            </a:r>
+            <a:r>
+              <a:rPr lang="fr-FR" dirty="0"/>
+              <a:t> importances</a:t>
+            </a:r>
+          </a:p>
+          <a:p>
+            <a:pPr marL="0" indent="0">
+              <a:buNone/>
+            </a:pPr>
+            <a:r>
+              <a:rPr lang="fr-FR" dirty="0"/>
+              <a:t>		</a:t>
+            </a:r>
+          </a:p>
+        </p:txBody>
+      </p:sp>
+    </p:spTree>
+    <p:extLst>
+      <p:ext uri="{BB962C8B-B14F-4D97-AF65-F5344CB8AC3E}">
+        <p14:creationId xmlns:p14="http://schemas.microsoft.com/office/powerpoint/2010/main" val="133495203"/>
+      </p:ext>
+    </p:extLst>
   </p:cSld>
   <p:clrMapOvr>
     <a:masterClrMapping/>
